--- a/analysis/cs4.pptx
+++ b/analysis/cs4.pptx
@@ -3345,6 +3345,14 @@
 <file path=ppt/slides/slide1.xml><?xml version="1.0" encoding="utf-8"?>
 <p:sld xmlns:a="http://schemas.openxmlformats.org/drawingml/2006/main" xmlns:r="http://schemas.openxmlformats.org/officeDocument/2006/relationships" xmlns:p="http://schemas.openxmlformats.org/presentationml/2006/main">
   <p:cSld>
+    <p:bg>
+      <p:bgPr>
+        <a:solidFill>
+          <a:schemeClr val="bg1"/>
+        </a:solidFill>
+        <a:effectLst/>
+      </p:bgPr>
+    </p:bg>
     <p:spTree>
       <p:nvGrpSpPr>
         <p:cNvPr id="1" name=""/>
@@ -3377,8 +3385,8 @@
         </p:nvSpPr>
         <p:spPr>
           <a:xfrm>
-            <a:off x="291548" y="265043"/>
-            <a:ext cx="1457739" cy="806520"/>
+            <a:off x="1" y="-1"/>
+            <a:ext cx="2690190" cy="2994991"/>
           </a:xfrm>
         </p:spPr>
         <p:txBody>
@@ -3387,50 +3395,31 @@
           </a:bodyPr>
           <a:lstStyle/>
           <a:p>
+            <a:pPr algn="l"/>
             <a:r>
               <a:rPr dirty="0"/>
               <a:t>CS4</a:t>
             </a:r>
-          </a:p>
-        </p:txBody>
-      </p:sp>
-      <p:sp>
-        <p:nvSpPr>
-          <p:cNvPr id="3" name="slide1">
-            <a:extLst>
-              <a:ext uri="{FF2B5EF4-FFF2-40B4-BE49-F238E27FC236}">
-                <a16:creationId xmlns:a16="http://schemas.microsoft.com/office/drawing/2014/main" id="{9A6E55C2-6F6F-498E-B9C8-70C514FD22DF}"/>
-              </a:ext>
-            </a:extLst>
-          </p:cNvPr>
-          <p:cNvSpPr>
-            <a:spLocks noGrp="1"/>
-          </p:cNvSpPr>
-          <p:nvPr>
-            <p:ph type="subTitle" idx="1"/>
-          </p:nvPr>
-        </p:nvSpPr>
-        <p:spPr>
-          <a:xfrm>
-            <a:off x="3876261" y="461617"/>
-            <a:ext cx="4439478" cy="413371"/>
-          </a:xfrm>
-        </p:spPr>
-        <p:txBody>
-          <a:bodyPr>
-            <a:noAutofit/>
-          </a:bodyPr>
-          <a:lstStyle/>
-          <a:p>
-            <a:r>
-              <a:rPr lang="en-US" sz="3200" b="1" dirty="0"/>
-              <a:t>What is a healthy child?</a:t>
-            </a:r>
-          </a:p>
-        </p:txBody>
-      </p:sp>
-      <mc:AlternateContent xmlns:mc="http://schemas.openxmlformats.org/markup-compatibility/2006" xmlns:a14="http://schemas.microsoft.com/office/drawing/2010/main">
-        <mc:Choice Requires="a14">
+            <a:br>
+              <a:rPr lang="en-US" dirty="0"/>
+            </a:br>
+            <a:r>
+              <a:rPr lang="en-US" b="1" dirty="0"/>
+              <a:t>What is a </a:t>
+            </a:r>
+            <a:br>
+              <a:rPr lang="en-US" b="1" dirty="0"/>
+            </a:br>
+            <a:r>
+              <a:rPr lang="en-US" b="1" dirty="0"/>
+              <a:t>healthy child?</a:t>
+            </a:r>
+            <a:endParaRPr dirty="0"/>
+          </a:p>
+        </p:txBody>
+      </p:sp>
+      <mc:AlternateContent xmlns:mc="http://schemas.openxmlformats.org/markup-compatibility/2006">
+        <mc:Choice xmlns:a14="http://schemas.microsoft.com/office/drawing/2010/main" Requires="a14">
           <p:sp>
             <p:nvSpPr>
               <p:cNvPr id="4" name="TextBox 3">
@@ -3445,8 +3434,8 @@
             </p:nvSpPr>
             <p:spPr>
               <a:xfrm>
-                <a:off x="262973" y="3941669"/>
-                <a:ext cx="4439478" cy="2518766"/>
+                <a:off x="0" y="4339234"/>
+                <a:ext cx="4758970" cy="2518766"/>
               </a:xfrm>
               <a:prstGeom prst="rect">
                 <a:avLst/>
@@ -3638,7 +3627,7 @@
             </p:txBody>
           </p:sp>
         </mc:Choice>
-        <mc:Fallback xmlns="">
+        <mc:Fallback>
           <p:sp>
             <p:nvSpPr>
               <p:cNvPr id="4" name="TextBox 3">
@@ -3655,8 +3644,8 @@
             </p:nvSpPr>
             <p:spPr>
               <a:xfrm>
-                <a:off x="262973" y="3941669"/>
-                <a:ext cx="4439478" cy="2518766"/>
+                <a:off x="0" y="4339234"/>
+                <a:ext cx="4758970" cy="2518766"/>
               </a:xfrm>
               <a:prstGeom prst="rect">
                 <a:avLst/>
@@ -3664,7 +3653,7 @@
               <a:blipFill>
                 <a:blip r:embed="rId2"/>
                 <a:stretch>
-                  <a:fillRect l="-3434" t="-3148"/>
+                  <a:fillRect l="-3201" t="-3148"/>
                 </a:stretch>
               </a:blipFill>
             </p:spPr>
@@ -3685,10 +3674,55 @@
       </mc:AlternateContent>
       <p:pic>
         <p:nvPicPr>
-          <p:cNvPr id="1026" name="Picture 2" descr="Z Score Formula - Z Score Table">
-            <a:extLst>
-              <a:ext uri="{FF2B5EF4-FFF2-40B4-BE49-F238E27FC236}">
-                <a16:creationId xmlns:a16="http://schemas.microsoft.com/office/drawing/2014/main" id="{F57E19D0-6DC4-478A-A7DB-A236B7CFE528}"/>
+          <p:cNvPr id="1028" name="Picture 4" descr="Healthy Kids Vector Images, Stock Photos &amp; Vectors | Shutterstock">
+            <a:extLst>
+              <a:ext uri="{FF2B5EF4-FFF2-40B4-BE49-F238E27FC236}">
+                <a16:creationId xmlns:a16="http://schemas.microsoft.com/office/drawing/2014/main" id="{7BE9703D-4616-47C4-BC74-29C464E9808D}"/>
+              </a:ext>
+            </a:extLst>
+          </p:cNvPr>
+          <p:cNvPicPr>
+            <a:picLocks noChangeAspect="1" noChangeArrowheads="1"/>
+          </p:cNvPicPr>
+          <p:nvPr/>
+        </p:nvPicPr>
+        <p:blipFill rotWithShape="1">
+          <a:blip r:embed="rId3">
+            <a:extLst>
+              <a:ext uri="{28A0092B-C50C-407E-A947-70E740481C1C}">
+                <a14:useLocalDpi xmlns:a14="http://schemas.microsoft.com/office/drawing/2010/main" val="0"/>
+              </a:ext>
+            </a:extLst>
+          </a:blip>
+          <a:srcRect l="9510" t="9938" r="8306" b="13539"/>
+          <a:stretch/>
+        </p:blipFill>
+        <p:spPr bwMode="auto">
+          <a:xfrm>
+            <a:off x="2690191" y="0"/>
+            <a:ext cx="9501810" cy="4331488"/>
+          </a:xfrm>
+          <a:prstGeom prst="rect">
+            <a:avLst/>
+          </a:prstGeom>
+          <a:noFill/>
+          <a:extLst>
+            <a:ext uri="{909E8E84-426E-40DD-AFC4-6F175D3DCCD1}">
+              <a14:hiddenFill xmlns:a14="http://schemas.microsoft.com/office/drawing/2010/main">
+                <a:solidFill>
+                  <a:srgbClr val="FFFFFF"/>
+                </a:solidFill>
+              </a14:hiddenFill>
+            </a:ext>
+          </a:extLst>
+        </p:spPr>
+      </p:pic>
+      <p:pic>
+        <p:nvPicPr>
+          <p:cNvPr id="8" name="Picture 2" descr="Z Score Formula - Z Score Table">
+            <a:extLst>
+              <a:ext uri="{FF2B5EF4-FFF2-40B4-BE49-F238E27FC236}">
+                <a16:creationId xmlns:a16="http://schemas.microsoft.com/office/drawing/2014/main" id="{02DC270E-F499-436A-A53B-1773CC7AA065}"/>
               </a:ext>
             </a:extLst>
           </p:cNvPr>
@@ -3698,7 +3732,7 @@
           <p:nvPr/>
         </p:nvPicPr>
         <p:blipFill>
-          <a:blip r:embed="rId3">
+          <a:blip r:embed="rId4">
             <a:extLst>
               <a:ext uri="{28A0092B-C50C-407E-A947-70E740481C1C}">
                 <a14:useLocalDpi xmlns:a14="http://schemas.microsoft.com/office/drawing/2010/main" val="0"/>
@@ -3712,7 +3746,7 @@
         </p:blipFill>
         <p:spPr bwMode="auto">
           <a:xfrm>
-            <a:off x="8481391" y="3933923"/>
+            <a:off x="8786680" y="4331488"/>
             <a:ext cx="3447636" cy="2526512"/>
           </a:xfrm>
           <a:prstGeom prst="rect">
@@ -3774,7 +3808,7 @@
           </p:cNvPicPr>
           <p:nvPr/>
         </p:nvPicPr>
-        <p:blipFill>
+        <p:blipFill rotWithShape="1">
           <a:blip r:embed="rId2">
             <a:extLst>
               <a:ext uri="{28A0092B-C50C-407E-A947-70E740481C1C}">
@@ -3782,14 +3816,48 @@
               </a:ext>
             </a:extLst>
           </a:blip>
-          <a:stretch>
-            <a:fillRect/>
-          </a:stretch>
+          <a:srcRect r="9456" b="3454"/>
+          <a:stretch/>
         </p:blipFill>
         <p:spPr>
           <a:xfrm>
-            <a:off x="0" y="94268"/>
-            <a:ext cx="12192000" cy="6669464"/>
+            <a:off x="0" y="-1"/>
+            <a:ext cx="12192000" cy="6856471"/>
+          </a:xfrm>
+          <a:prstGeom prst="rect">
+            <a:avLst/>
+          </a:prstGeom>
+        </p:spPr>
+      </p:pic>
+      <p:pic>
+        <p:nvPicPr>
+          <p:cNvPr id="3" name="slide2" descr="Sheet 1">
+            <a:extLst>
+              <a:ext uri="{FF2B5EF4-FFF2-40B4-BE49-F238E27FC236}">
+                <a16:creationId xmlns:a16="http://schemas.microsoft.com/office/drawing/2014/main" id="{E854B7E8-9E0F-4B63-9933-82756E0CE4A5}"/>
+              </a:ext>
+            </a:extLst>
+          </p:cNvPr>
+          <p:cNvPicPr>
+            <a:picLocks noChangeAspect="1"/>
+          </p:cNvPicPr>
+          <p:nvPr/>
+        </p:nvPicPr>
+        <p:blipFill rotWithShape="1">
+          <a:blip r:embed="rId2">
+            <a:extLst>
+              <a:ext uri="{28A0092B-C50C-407E-A947-70E740481C1C}">
+                <a14:useLocalDpi xmlns:a14="http://schemas.microsoft.com/office/drawing/2010/main" val="0"/>
+              </a:ext>
+            </a:extLst>
+          </a:blip>
+          <a:srcRect l="90489" t="4051" r="4294" b="88000"/>
+          <a:stretch/>
+        </p:blipFill>
+        <p:spPr>
+          <a:xfrm>
+            <a:off x="10951599" y="5380383"/>
+            <a:ext cx="1240402" cy="1033669"/>
           </a:xfrm>
           <a:prstGeom prst="rect">
             <a:avLst/>
@@ -3840,7 +3908,7 @@
           </p:cNvPicPr>
           <p:nvPr/>
         </p:nvPicPr>
-        <p:blipFill>
+        <p:blipFill rotWithShape="1">
           <a:blip r:embed="rId2">
             <a:extLst>
               <a:ext uri="{28A0092B-C50C-407E-A947-70E740481C1C}">
@@ -3848,14 +3916,48 @@
               </a:ext>
             </a:extLst>
           </a:blip>
-          <a:stretch>
-            <a:fillRect/>
-          </a:stretch>
+          <a:srcRect r="21957" b="3234"/>
+          <a:stretch/>
         </p:blipFill>
         <p:spPr>
           <a:xfrm>
-            <a:off x="0" y="94268"/>
-            <a:ext cx="12192000" cy="6669464"/>
+            <a:off x="0" y="0"/>
+            <a:ext cx="12192000" cy="6858000"/>
+          </a:xfrm>
+          <a:prstGeom prst="rect">
+            <a:avLst/>
+          </a:prstGeom>
+        </p:spPr>
+      </p:pic>
+      <p:pic>
+        <p:nvPicPr>
+          <p:cNvPr id="5" name="slide2" descr="Sheet 1">
+            <a:extLst>
+              <a:ext uri="{FF2B5EF4-FFF2-40B4-BE49-F238E27FC236}">
+                <a16:creationId xmlns:a16="http://schemas.microsoft.com/office/drawing/2014/main" id="{FD4FF52D-3FC4-4555-9BBA-23BFF8F99CA8}"/>
+              </a:ext>
+            </a:extLst>
+          </p:cNvPr>
+          <p:cNvPicPr>
+            <a:picLocks noChangeAspect="1"/>
+          </p:cNvPicPr>
+          <p:nvPr/>
+        </p:nvPicPr>
+        <p:blipFill rotWithShape="1">
+          <a:blip r:embed="rId3">
+            <a:extLst>
+              <a:ext uri="{28A0092B-C50C-407E-A947-70E740481C1C}">
+                <a14:useLocalDpi xmlns:a14="http://schemas.microsoft.com/office/drawing/2010/main" val="0"/>
+              </a:ext>
+            </a:extLst>
+          </a:blip>
+          <a:srcRect l="90489" t="4051" r="4294" b="88000"/>
+          <a:stretch/>
+        </p:blipFill>
+        <p:spPr>
+          <a:xfrm>
+            <a:off x="10951599" y="5380383"/>
+            <a:ext cx="1240402" cy="1033669"/>
           </a:xfrm>
           <a:prstGeom prst="rect">
             <a:avLst/>
@@ -3906,7 +4008,7 @@
           </p:cNvPicPr>
           <p:nvPr/>
         </p:nvPicPr>
-        <p:blipFill>
+        <p:blipFill rotWithShape="1">
           <a:blip r:embed="rId2">
             <a:extLst>
               <a:ext uri="{28A0092B-C50C-407E-A947-70E740481C1C}">
@@ -3914,14 +4016,48 @@
               </a:ext>
             </a:extLst>
           </a:blip>
-          <a:stretch>
-            <a:fillRect/>
-          </a:stretch>
+          <a:srcRect r="9783" b="3653"/>
+          <a:stretch/>
         </p:blipFill>
         <p:spPr>
           <a:xfrm>
-            <a:off x="0" y="94268"/>
-            <a:ext cx="12192000" cy="6669464"/>
+            <a:off x="0" y="0"/>
+            <a:ext cx="12192000" cy="6858000"/>
+          </a:xfrm>
+          <a:prstGeom prst="rect">
+            <a:avLst/>
+          </a:prstGeom>
+        </p:spPr>
+      </p:pic>
+      <p:pic>
+        <p:nvPicPr>
+          <p:cNvPr id="3" name="slide2" descr="Sheet 1">
+            <a:extLst>
+              <a:ext uri="{FF2B5EF4-FFF2-40B4-BE49-F238E27FC236}">
+                <a16:creationId xmlns:a16="http://schemas.microsoft.com/office/drawing/2014/main" id="{85D6E895-CA03-49E0-99E2-82D1CD882B27}"/>
+              </a:ext>
+            </a:extLst>
+          </p:cNvPr>
+          <p:cNvPicPr>
+            <a:picLocks noChangeAspect="1"/>
+          </p:cNvPicPr>
+          <p:nvPr/>
+        </p:nvPicPr>
+        <p:blipFill rotWithShape="1">
+          <a:blip r:embed="rId3">
+            <a:extLst>
+              <a:ext uri="{28A0092B-C50C-407E-A947-70E740481C1C}">
+                <a14:useLocalDpi xmlns:a14="http://schemas.microsoft.com/office/drawing/2010/main" val="0"/>
+              </a:ext>
+            </a:extLst>
+          </a:blip>
+          <a:srcRect l="90489" t="4051" r="4294" b="88000"/>
+          <a:stretch/>
+        </p:blipFill>
+        <p:spPr>
+          <a:xfrm>
+            <a:off x="10951599" y="5380383"/>
+            <a:ext cx="1240402" cy="1033669"/>
           </a:xfrm>
           <a:prstGeom prst="rect">
             <a:avLst/>
@@ -3972,7 +4108,7 @@
           </p:cNvPicPr>
           <p:nvPr/>
         </p:nvPicPr>
-        <p:blipFill>
+        <p:blipFill rotWithShape="1">
           <a:blip r:embed="rId2">
             <a:extLst>
               <a:ext uri="{28A0092B-C50C-407E-A947-70E740481C1C}">
@@ -3980,14 +4116,48 @@
               </a:ext>
             </a:extLst>
           </a:blip>
-          <a:stretch>
-            <a:fillRect/>
-          </a:stretch>
+          <a:srcRect r="11956" b="4051"/>
+          <a:stretch/>
         </p:blipFill>
         <p:spPr>
           <a:xfrm>
-            <a:off x="0" y="94268"/>
-            <a:ext cx="12192000" cy="6669464"/>
+            <a:off x="0" y="0"/>
+            <a:ext cx="12192000" cy="6858000"/>
+          </a:xfrm>
+          <a:prstGeom prst="rect">
+            <a:avLst/>
+          </a:prstGeom>
+        </p:spPr>
+      </p:pic>
+      <p:pic>
+        <p:nvPicPr>
+          <p:cNvPr id="3" name="slide2" descr="Sheet 1">
+            <a:extLst>
+              <a:ext uri="{FF2B5EF4-FFF2-40B4-BE49-F238E27FC236}">
+                <a16:creationId xmlns:a16="http://schemas.microsoft.com/office/drawing/2014/main" id="{F04C2B64-EDCF-4BEB-8664-2905D2BFCC41}"/>
+              </a:ext>
+            </a:extLst>
+          </p:cNvPr>
+          <p:cNvPicPr>
+            <a:picLocks noChangeAspect="1"/>
+          </p:cNvPicPr>
+          <p:nvPr/>
+        </p:nvPicPr>
+        <p:blipFill rotWithShape="1">
+          <a:blip r:embed="rId3">
+            <a:extLst>
+              <a:ext uri="{28A0092B-C50C-407E-A947-70E740481C1C}">
+                <a14:useLocalDpi xmlns:a14="http://schemas.microsoft.com/office/drawing/2010/main" val="0"/>
+              </a:ext>
+            </a:extLst>
+          </a:blip>
+          <a:srcRect l="90489" t="4051" r="4294" b="88000"/>
+          <a:stretch/>
+        </p:blipFill>
+        <p:spPr>
+          <a:xfrm>
+            <a:off x="10951599" y="5380383"/>
+            <a:ext cx="1240402" cy="1033669"/>
           </a:xfrm>
           <a:prstGeom prst="rect">
             <a:avLst/>
@@ -4038,7 +4208,7 @@
           </p:cNvPicPr>
           <p:nvPr/>
         </p:nvPicPr>
-        <p:blipFill>
+        <p:blipFill rotWithShape="1">
           <a:blip r:embed="rId2">
             <a:extLst>
               <a:ext uri="{28A0092B-C50C-407E-A947-70E740481C1C}">
@@ -4046,14 +4216,13 @@
               </a:ext>
             </a:extLst>
           </a:blip>
-          <a:stretch>
-            <a:fillRect/>
-          </a:stretch>
+          <a:srcRect r="7174" b="4541"/>
+          <a:stretch/>
         </p:blipFill>
         <p:spPr>
           <a:xfrm>
-            <a:off x="1934476" y="0"/>
-            <a:ext cx="8323046" cy="6858000"/>
+            <a:off x="0" y="-13252"/>
+            <a:ext cx="12192000" cy="6858000"/>
           </a:xfrm>
           <a:prstGeom prst="rect">
             <a:avLst/>
@@ -4104,7 +4273,7 @@
           </p:cNvPicPr>
           <p:nvPr/>
         </p:nvPicPr>
-        <p:blipFill>
+        <p:blipFill rotWithShape="1">
           <a:blip r:embed="rId2">
             <a:extLst>
               <a:ext uri="{28A0092B-C50C-407E-A947-70E740481C1C}">
@@ -4112,14 +4281,13 @@
               </a:ext>
             </a:extLst>
           </a:blip>
-          <a:stretch>
-            <a:fillRect/>
-          </a:stretch>
+          <a:srcRect r="11848" b="3653"/>
+          <a:stretch/>
         </p:blipFill>
         <p:spPr>
           <a:xfrm>
-            <a:off x="0" y="94268"/>
-            <a:ext cx="12192000" cy="6669464"/>
+            <a:off x="0" y="0"/>
+            <a:ext cx="12192000" cy="6858000"/>
           </a:xfrm>
           <a:prstGeom prst="rect">
             <a:avLst/>

--- a/analysis/cs4.pptx
+++ b/analysis/cs4.pptx
@@ -3418,8 +3418,8 @@
           </a:p>
         </p:txBody>
       </p:sp>
-      <mc:AlternateContent xmlns:mc="http://schemas.openxmlformats.org/markup-compatibility/2006">
-        <mc:Choice xmlns:a14="http://schemas.microsoft.com/office/drawing/2010/main" Requires="a14">
+      <mc:AlternateContent xmlns:mc="http://schemas.openxmlformats.org/markup-compatibility/2006" xmlns:a14="http://schemas.microsoft.com/office/drawing/2010/main">
+        <mc:Choice Requires="a14">
           <p:sp>
             <p:nvSpPr>
               <p:cNvPr id="4" name="TextBox 3">
@@ -3627,7 +3627,7 @@
             </p:txBody>
           </p:sp>
         </mc:Choice>
-        <mc:Fallback>
+        <mc:Fallback xmlns="">
           <p:sp>
             <p:nvSpPr>
               <p:cNvPr id="4" name="TextBox 3">
@@ -3746,7 +3746,7 @@
         </p:blipFill>
         <p:spPr bwMode="auto">
           <a:xfrm>
-            <a:off x="8786680" y="4331488"/>
+            <a:off x="8614402" y="4331488"/>
             <a:ext cx="3447636" cy="2526512"/>
           </a:xfrm>
           <a:prstGeom prst="rect">
@@ -3796,10 +3796,10 @@
       </p:grpSpPr>
       <p:pic>
         <p:nvPicPr>
-          <p:cNvPr id="2" name="slide2" descr="Sheet 1">
-            <a:extLst>
-              <a:ext uri="{FF2B5EF4-FFF2-40B4-BE49-F238E27FC236}">
-                <a16:creationId xmlns:a16="http://schemas.microsoft.com/office/drawing/2014/main" id="{C32B521D-17BB-489B-B22A-D6B6C3D969EC}"/>
+          <p:cNvPr id="4" name="slide2" descr="Sheet 1">
+            <a:extLst>
+              <a:ext uri="{FF2B5EF4-FFF2-40B4-BE49-F238E27FC236}">
+                <a16:creationId xmlns:a16="http://schemas.microsoft.com/office/drawing/2014/main" id="{4F906FE3-D060-4015-A972-95A1D228D8DF}"/>
               </a:ext>
             </a:extLst>
           </p:cNvPr>
@@ -3816,13 +3816,13 @@
               </a:ext>
             </a:extLst>
           </a:blip>
-          <a:srcRect r="9456" b="3454"/>
+          <a:srcRect r="15145" b="5631"/>
           <a:stretch/>
         </p:blipFill>
         <p:spPr>
           <a:xfrm>
-            <a:off x="0" y="-1"/>
-            <a:ext cx="12192000" cy="6856471"/>
+            <a:off x="0" y="0"/>
+            <a:ext cx="12192000" cy="6858000"/>
           </a:xfrm>
           <a:prstGeom prst="rect">
             <a:avLst/>
@@ -3844,7 +3844,7 @@
           <p:nvPr/>
         </p:nvPicPr>
         <p:blipFill rotWithShape="1">
-          <a:blip r:embed="rId2">
+          <a:blip r:embed="rId3">
             <a:extLst>
               <a:ext uri="{28A0092B-C50C-407E-A947-70E740481C1C}">
                 <a14:useLocalDpi xmlns:a14="http://schemas.microsoft.com/office/drawing/2010/main" val="0"/>
@@ -3856,7 +3856,7 @@
         </p:blipFill>
         <p:spPr>
           <a:xfrm>
-            <a:off x="10951599" y="5380383"/>
+            <a:off x="10951598" y="5168349"/>
             <a:ext cx="1240402" cy="1033669"/>
           </a:xfrm>
           <a:prstGeom prst="rect">
@@ -3996,10 +3996,10 @@
       </p:grpSpPr>
       <p:pic>
         <p:nvPicPr>
-          <p:cNvPr id="4" name="slide4" descr="Sheet 3">
-            <a:extLst>
-              <a:ext uri="{FF2B5EF4-FFF2-40B4-BE49-F238E27FC236}">
-                <a16:creationId xmlns:a16="http://schemas.microsoft.com/office/drawing/2014/main" id="{D33DC41D-3D98-4DA0-827B-24B778E6C8C9}"/>
+          <p:cNvPr id="5" name="slide2" descr="Sheet 3">
+            <a:extLst>
+              <a:ext uri="{FF2B5EF4-FFF2-40B4-BE49-F238E27FC236}">
+                <a16:creationId xmlns:a16="http://schemas.microsoft.com/office/drawing/2014/main" id="{7A7B0B7A-DC23-413F-A7ED-0E4115FA1B9C}"/>
               </a:ext>
             </a:extLst>
           </p:cNvPr>
@@ -4016,48 +4016,13 @@
               </a:ext>
             </a:extLst>
           </a:blip>
-          <a:srcRect r="9783" b="3653"/>
+          <a:srcRect l="-1" r="7451" b="8499"/>
           <a:stretch/>
         </p:blipFill>
         <p:spPr>
           <a:xfrm>
             <a:off x="0" y="0"/>
             <a:ext cx="12192000" cy="6858000"/>
-          </a:xfrm>
-          <a:prstGeom prst="rect">
-            <a:avLst/>
-          </a:prstGeom>
-        </p:spPr>
-      </p:pic>
-      <p:pic>
-        <p:nvPicPr>
-          <p:cNvPr id="3" name="slide2" descr="Sheet 1">
-            <a:extLst>
-              <a:ext uri="{FF2B5EF4-FFF2-40B4-BE49-F238E27FC236}">
-                <a16:creationId xmlns:a16="http://schemas.microsoft.com/office/drawing/2014/main" id="{85D6E895-CA03-49E0-99E2-82D1CD882B27}"/>
-              </a:ext>
-            </a:extLst>
-          </p:cNvPr>
-          <p:cNvPicPr>
-            <a:picLocks noChangeAspect="1"/>
-          </p:cNvPicPr>
-          <p:nvPr/>
-        </p:nvPicPr>
-        <p:blipFill rotWithShape="1">
-          <a:blip r:embed="rId3">
-            <a:extLst>
-              <a:ext uri="{28A0092B-C50C-407E-A947-70E740481C1C}">
-                <a14:useLocalDpi xmlns:a14="http://schemas.microsoft.com/office/drawing/2010/main" val="0"/>
-              </a:ext>
-            </a:extLst>
-          </a:blip>
-          <a:srcRect l="90489" t="4051" r="4294" b="88000"/>
-          <a:stretch/>
-        </p:blipFill>
-        <p:spPr>
-          <a:xfrm>
-            <a:off x="10951599" y="5380383"/>
-            <a:ext cx="1240402" cy="1033669"/>
           </a:xfrm>
           <a:prstGeom prst="rect">
             <a:avLst/>

--- a/analysis/cs4.pptx
+++ b/analysis/cs4.pptx
@@ -292,7 +292,7 @@
           <a:p>
             <a:fld id="{EED1C14C-A143-42F5-B247-D0E800131009}" type="datetimeFigureOut">
               <a:rPr lang="en-US" smtClean="0"/>
-              <a:t>6/5/2020</a:t>
+              <a:t>6/11/2020</a:t>
             </a:fld>
             <a:endParaRPr lang="en-US"/>
           </a:p>
@@ -490,7 +490,7 @@
           <a:p>
             <a:fld id="{EED1C14C-A143-42F5-B247-D0E800131009}" type="datetimeFigureOut">
               <a:rPr lang="en-US" smtClean="0"/>
-              <a:t>6/5/2020</a:t>
+              <a:t>6/11/2020</a:t>
             </a:fld>
             <a:endParaRPr lang="en-US"/>
           </a:p>
@@ -698,7 +698,7 @@
           <a:p>
             <a:fld id="{EED1C14C-A143-42F5-B247-D0E800131009}" type="datetimeFigureOut">
               <a:rPr lang="en-US" smtClean="0"/>
-              <a:t>6/5/2020</a:t>
+              <a:t>6/11/2020</a:t>
             </a:fld>
             <a:endParaRPr lang="en-US"/>
           </a:p>
@@ -896,7 +896,7 @@
           <a:p>
             <a:fld id="{EED1C14C-A143-42F5-B247-D0E800131009}" type="datetimeFigureOut">
               <a:rPr lang="en-US" smtClean="0"/>
-              <a:t>6/5/2020</a:t>
+              <a:t>6/11/2020</a:t>
             </a:fld>
             <a:endParaRPr lang="en-US"/>
           </a:p>
@@ -1171,7 +1171,7 @@
           <a:p>
             <a:fld id="{EED1C14C-A143-42F5-B247-D0E800131009}" type="datetimeFigureOut">
               <a:rPr lang="en-US" smtClean="0"/>
-              <a:t>6/5/2020</a:t>
+              <a:t>6/11/2020</a:t>
             </a:fld>
             <a:endParaRPr lang="en-US"/>
           </a:p>
@@ -1436,7 +1436,7 @@
           <a:p>
             <a:fld id="{EED1C14C-A143-42F5-B247-D0E800131009}" type="datetimeFigureOut">
               <a:rPr lang="en-US" smtClean="0"/>
-              <a:t>6/5/2020</a:t>
+              <a:t>6/11/2020</a:t>
             </a:fld>
             <a:endParaRPr lang="en-US"/>
           </a:p>
@@ -1848,7 +1848,7 @@
           <a:p>
             <a:fld id="{EED1C14C-A143-42F5-B247-D0E800131009}" type="datetimeFigureOut">
               <a:rPr lang="en-US" smtClean="0"/>
-              <a:t>6/5/2020</a:t>
+              <a:t>6/11/2020</a:t>
             </a:fld>
             <a:endParaRPr lang="en-US"/>
           </a:p>
@@ -1989,7 +1989,7 @@
           <a:p>
             <a:fld id="{EED1C14C-A143-42F5-B247-D0E800131009}" type="datetimeFigureOut">
               <a:rPr lang="en-US" smtClean="0"/>
-              <a:t>6/5/2020</a:t>
+              <a:t>6/11/2020</a:t>
             </a:fld>
             <a:endParaRPr lang="en-US"/>
           </a:p>
@@ -2102,7 +2102,7 @@
           <a:p>
             <a:fld id="{EED1C14C-A143-42F5-B247-D0E800131009}" type="datetimeFigureOut">
               <a:rPr lang="en-US" smtClean="0"/>
-              <a:t>6/5/2020</a:t>
+              <a:t>6/11/2020</a:t>
             </a:fld>
             <a:endParaRPr lang="en-US"/>
           </a:p>
@@ -2413,7 +2413,7 @@
           <a:p>
             <a:fld id="{EED1C14C-A143-42F5-B247-D0E800131009}" type="datetimeFigureOut">
               <a:rPr lang="en-US" smtClean="0"/>
-              <a:t>6/5/2020</a:t>
+              <a:t>6/11/2020</a:t>
             </a:fld>
             <a:endParaRPr lang="en-US"/>
           </a:p>
@@ -2701,7 +2701,7 @@
           <a:p>
             <a:fld id="{EED1C14C-A143-42F5-B247-D0E800131009}" type="datetimeFigureOut">
               <a:rPr lang="en-US" smtClean="0"/>
-              <a:t>6/5/2020</a:t>
+              <a:t>6/11/2020</a:t>
             </a:fld>
             <a:endParaRPr lang="en-US"/>
           </a:p>
@@ -2942,7 +2942,7 @@
           <a:p>
             <a:fld id="{EED1C14C-A143-42F5-B247-D0E800131009}" type="datetimeFigureOut">
               <a:rPr lang="en-US" smtClean="0"/>
-              <a:t>6/5/2020</a:t>
+              <a:t>6/11/2020</a:t>
             </a:fld>
             <a:endParaRPr lang="en-US"/>
           </a:p>
@@ -3418,8 +3418,8 @@
           </a:p>
         </p:txBody>
       </p:sp>
-      <mc:AlternateContent xmlns:mc="http://schemas.openxmlformats.org/markup-compatibility/2006" xmlns:a14="http://schemas.microsoft.com/office/drawing/2010/main">
-        <mc:Choice Requires="a14">
+      <mc:AlternateContent xmlns:mc="http://schemas.openxmlformats.org/markup-compatibility/2006">
+        <mc:Choice xmlns:a14="http://schemas.microsoft.com/office/drawing/2010/main" Requires="a14">
           <p:sp>
             <p:nvSpPr>
               <p:cNvPr id="4" name="TextBox 3">
@@ -3434,8 +3434,8 @@
             </p:nvSpPr>
             <p:spPr>
               <a:xfrm>
-                <a:off x="0" y="4339234"/>
-                <a:ext cx="4758970" cy="2518766"/>
+                <a:off x="-1" y="4339234"/>
+                <a:ext cx="5234609" cy="2519857"/>
               </a:xfrm>
               <a:prstGeom prst="rect">
                 <a:avLst/>
@@ -3450,13 +3450,7 @@
               <a:p>
                 <a:r>
                   <a:rPr lang="en-US" sz="3200" dirty="0"/>
-                  <a:t>Z-score:</a:t>
-                </a:r>
-              </a:p>
-              <a:p>
-                <a:r>
-                  <a:rPr lang="en-US" sz="3200" dirty="0"/>
-                  <a:t>	</a:t>
+                  <a:t>Z-score: </a:t>
                 </a:r>
                 <a14:m>
                   <m:oMath xmlns:m="http://schemas.openxmlformats.org/officeDocument/2006/math">
@@ -3550,18 +3544,12 @@
                     </m:r>
                   </m:oMath>
                 </a14:m>
-                <a:endParaRPr lang="en-US" sz="3200" b="0" dirty="0"/>
+                <a:endParaRPr lang="en-US" sz="3200" dirty="0"/>
               </a:p>
               <a:p>
                 <a:r>
                   <a:rPr lang="en-US" sz="3200" dirty="0"/>
-                  <a:t>Example:</a:t>
-                </a:r>
-              </a:p>
-              <a:p>
-                <a:r>
-                  <a:rPr lang="en-US" sz="3200" dirty="0"/>
-                  <a:t>	</a:t>
+                  <a:t>Example: </a:t>
                 </a:r>
                 <a14:m>
                   <m:oMath xmlns:m="http://schemas.openxmlformats.org/officeDocument/2006/math">
@@ -3624,10 +3612,19 @@
                 </a14:m>
                 <a:endParaRPr lang="en-US" sz="3200" dirty="0"/>
               </a:p>
+              <a:p>
+                <a:endParaRPr lang="en-US" sz="2800" dirty="0"/>
+              </a:p>
+              <a:p>
+                <a:r>
+                  <a:rPr lang="en-US" dirty="0"/>
+                  <a:t>Both mean and standard deviation are found in WHO coefficients data set that is calculated by age</a:t>
+                </a:r>
+              </a:p>
             </p:txBody>
           </p:sp>
         </mc:Choice>
-        <mc:Fallback xmlns="">
+        <mc:Fallback>
           <p:sp>
             <p:nvSpPr>
               <p:cNvPr id="4" name="TextBox 3">
@@ -3644,8 +3641,8 @@
             </p:nvSpPr>
             <p:spPr>
               <a:xfrm>
-                <a:off x="0" y="4339234"/>
-                <a:ext cx="4758970" cy="2518766"/>
+                <a:off x="-1" y="4339234"/>
+                <a:ext cx="5234609" cy="2519857"/>
               </a:xfrm>
               <a:prstGeom prst="rect">
                 <a:avLst/>
@@ -3653,7 +3650,7 @@
               <a:blipFill>
                 <a:blip r:embed="rId2"/>
                 <a:stretch>
-                  <a:fillRect l="-3201" t="-3148"/>
+                  <a:fillRect l="-2910" b="-2906"/>
                 </a:stretch>
               </a:blipFill>
             </p:spPr>
